--- a/syllabus/24_intégration_SQL/syllabus_24_sql.pptx
+++ b/syllabus/24_intégration_SQL/syllabus_24_sql.pptx
@@ -366,7 +366,7 @@
           <a:p>
             <a:fld id="{FCE9742F-4DAE-47F5-9244-6ACC3985DD6B}" type="datetimeFigureOut">
               <a:rPr lang="fr-BE" smtClean="0"/>
-              <a:t>11-01-26</a:t>
+              <a:t>12-01-26</a:t>
             </a:fld>
             <a:endParaRPr lang="fr-BE"/>
           </a:p>
@@ -1424,7 +1424,7 @@
           <a:p>
             <a:fld id="{F3953782-D06E-4853-BE3C-64C197273937}" type="datetimeFigureOut">
               <a:rPr lang="fr-BE" smtClean="0"/>
-              <a:t>11-01-26</a:t>
+              <a:t>12-01-26</a:t>
             </a:fld>
             <a:endParaRPr lang="fr-BE"/>
           </a:p>
@@ -3283,7 +3283,7 @@
           <a:p>
             <a:fld id="{F3953782-D06E-4853-BE3C-64C197273937}" type="datetimeFigureOut">
               <a:rPr lang="fr-BE" smtClean="0"/>
-              <a:t>11-01-26</a:t>
+              <a:t>12-01-26</a:t>
             </a:fld>
             <a:endParaRPr lang="fr-BE"/>
           </a:p>
@@ -3599,7 +3599,7 @@
           <a:p>
             <a:fld id="{F3953782-D06E-4853-BE3C-64C197273937}" type="datetimeFigureOut">
               <a:rPr lang="fr-BE" smtClean="0"/>
-              <a:t>11-01-26</a:t>
+              <a:t>12-01-26</a:t>
             </a:fld>
             <a:endParaRPr lang="fr-BE"/>
           </a:p>
@@ -3796,7 +3796,7 @@
           <a:p>
             <a:fld id="{F3953782-D06E-4853-BE3C-64C197273937}" type="datetimeFigureOut">
               <a:rPr lang="fr-BE" smtClean="0"/>
-              <a:t>11-01-26</a:t>
+              <a:t>12-01-26</a:t>
             </a:fld>
             <a:endParaRPr lang="fr-BE"/>
           </a:p>
@@ -4058,7 +4058,7 @@
           <a:p>
             <a:fld id="{F3953782-D06E-4853-BE3C-64C197273937}" type="datetimeFigureOut">
               <a:rPr lang="fr-BE" smtClean="0"/>
-              <a:t>11-01-26</a:t>
+              <a:t>12-01-26</a:t>
             </a:fld>
             <a:endParaRPr lang="fr-BE"/>
           </a:p>
@@ -4456,7 +4456,7 @@
           <a:p>
             <a:fld id="{F3953782-D06E-4853-BE3C-64C197273937}" type="datetimeFigureOut">
               <a:rPr lang="fr-BE" smtClean="0"/>
-              <a:t>11-01-26</a:t>
+              <a:t>12-01-26</a:t>
             </a:fld>
             <a:endParaRPr lang="fr-BE"/>
           </a:p>
@@ -4604,7 +4604,7 @@
           <a:p>
             <a:fld id="{F3953782-D06E-4853-BE3C-64C197273937}" type="datetimeFigureOut">
               <a:rPr lang="fr-BE" smtClean="0"/>
-              <a:t>11-01-26</a:t>
+              <a:t>12-01-26</a:t>
             </a:fld>
             <a:endParaRPr lang="fr-BE"/>
           </a:p>
@@ -4953,7 +4953,7 @@
           <a:p>
             <a:fld id="{F3953782-D06E-4853-BE3C-64C197273937}" type="datetimeFigureOut">
               <a:rPr lang="fr-BE" smtClean="0"/>
-              <a:t>11-01-26</a:t>
+              <a:t>12-01-26</a:t>
             </a:fld>
             <a:endParaRPr lang="fr-BE"/>
           </a:p>
@@ -5279,7 +5279,7 @@
           <a:p>
             <a:fld id="{F3953782-D06E-4853-BE3C-64C197273937}" type="datetimeFigureOut">
               <a:rPr lang="fr-BE" smtClean="0"/>
-              <a:t>11-01-26</a:t>
+              <a:t>12-01-26</a:t>
             </a:fld>
             <a:endParaRPr lang="fr-BE"/>
           </a:p>
@@ -5810,6 +5810,10 @@
             <a:br>
               <a:rPr lang="fr-BE" dirty="0"/>
             </a:br>
+            <a:r>
+              <a:rPr lang="fr-BE"/>
+              <a:t/>
+            </a:r>
             <a:br>
               <a:rPr lang="fr-BE"/>
             </a:br>
@@ -5930,12 +5934,19 @@
         <p14:reveal/>
       </p:transition>
     </mc:Choice>
-    <mc:Fallback xmlns:ahyp="http://schemas.microsoft.com/office/drawing/2018/hyperlinkcolor" xmlns:p15="http://schemas.microsoft.com/office/powerpoint/2012/main" xmlns:com="http://schemas.openxmlformats.org/drawingml/2006/compatibility" xmlns:pvml="urn:schemas-microsoft-com:office:powerpoint" xmlns:v="urn:schemas-microsoft-com:vml" xmlns:o="urn:schemas-microsoft-com:office:office" xmlns:dgm="http://schemas.openxmlformats.org/drawingml/2006/diagram" xmlns:c="http://schemas.openxmlformats.org/drawingml/2006/chart" xmlns:mv="urn:schemas-microsoft-com:mac:vml" xmlns="">
+    <mc:Fallback xmlns="" xmlns:mv="urn:schemas-microsoft-com:mac:vml" xmlns:c="http://schemas.openxmlformats.org/drawingml/2006/chart" xmlns:dgm="http://schemas.openxmlformats.org/drawingml/2006/diagram" xmlns:o="urn:schemas-microsoft-com:office:office" xmlns:v="urn:schemas-microsoft-com:vml" xmlns:pvml="urn:schemas-microsoft-com:office:powerpoint" xmlns:com="http://schemas.openxmlformats.org/drawingml/2006/compatibility" xmlns:p15="http://schemas.microsoft.com/office/powerpoint/2012/main" xmlns:ahyp="http://schemas.microsoft.com/office/drawing/2018/hyperlinkcolor">
       <p:transition spd="med">
         <p:fade/>
       </p:transition>
     </mc:Fallback>
   </mc:AlternateContent>
+  <p:timing>
+    <p:tnLst>
+      <p:par>
+        <p:cTn id="1" dur="indefinite" restart="never" nodeType="tmRoot"/>
+      </p:par>
+    </p:tnLst>
+  </p:timing>
 </p:sld>
 </file>
 
@@ -6274,18 +6285,25 @@
   <p:clrMapOvr>
     <a:masterClrMapping/>
   </p:clrMapOvr>
-  <mc:AlternateContent xmlns:mc="http://schemas.openxmlformats.org/markup-compatibility/2006">
-    <mc:Choice xmlns:p14="http://schemas.microsoft.com/office/powerpoint/2010/main" Requires="p14">
+  <mc:AlternateContent xmlns:mc="http://schemas.openxmlformats.org/markup-compatibility/2006" xmlns:p14="http://schemas.microsoft.com/office/powerpoint/2010/main">
+    <mc:Choice Requires="p14">
       <p:transition spd="slow">
         <p14:reveal/>
       </p:transition>
     </mc:Choice>
-    <mc:Fallback>
+    <mc:Fallback xmlns="">
       <p:transition spd="slow">
         <p:fade/>
       </p:transition>
     </mc:Fallback>
   </mc:AlternateContent>
+  <p:timing>
+    <p:tnLst>
+      <p:par>
+        <p:cTn id="1" dur="indefinite" restart="never" nodeType="tmRoot"/>
+      </p:par>
+    </p:tnLst>
+  </p:timing>
 </p:sld>
 </file>
 
@@ -6471,6 +6489,13 @@
       </p:transition>
     </mc:Fallback>
   </mc:AlternateContent>
+  <p:timing>
+    <p:tnLst>
+      <p:par>
+        <p:cTn id="1" dur="indefinite" restart="never" nodeType="tmRoot"/>
+      </p:par>
+    </p:tnLst>
+  </p:timing>
 </p:sld>
 </file>
 
@@ -6612,6 +6637,13 @@
       </p:transition>
     </mc:Fallback>
   </mc:AlternateContent>
+  <p:timing>
+    <p:tnLst>
+      <p:par>
+        <p:cTn id="1" dur="indefinite" restart="never" nodeType="tmRoot"/>
+      </p:par>
+    </p:tnLst>
+  </p:timing>
 </p:sld>
 </file>
 
@@ -6834,6 +6866,13 @@
       </p:transition>
     </mc:Fallback>
   </mc:AlternateContent>
+  <p:timing>
+    <p:tnLst>
+      <p:par>
+        <p:cTn id="1" dur="indefinite" restart="never" nodeType="tmRoot"/>
+      </p:par>
+    </p:tnLst>
+  </p:timing>
 </p:sld>
 </file>
 
@@ -7214,6 +7253,13 @@
       </p:transition>
     </mc:Fallback>
   </mc:AlternateContent>
+  <p:timing>
+    <p:tnLst>
+      <p:par>
+        <p:cTn id="1" dur="indefinite" restart="never" nodeType="tmRoot"/>
+      </p:par>
+    </p:tnLst>
+  </p:timing>
 </p:sld>
 </file>
 
@@ -7422,6 +7468,18 @@
               <a:rPr lang="fr-BE"/>
               <a:t>et cousins</a:t>
             </a:r>
+            <a:r>
+              <a:rPr lang="fr-BE" b="1">
+                <a:solidFill>
+                  <a:schemeClr val="accent6">
+                    <a:lumMod val="50000"/>
+                  </a:schemeClr>
+                </a:solidFill>
+                <a:latin typeface="Courier New" panose="02070309020205020404" pitchFamily="49" charset="0"/>
+                <a:cs typeface="Courier New" panose="02070309020205020404" pitchFamily="49" charset="0"/>
+              </a:rPr>
+              <a:t/>
+            </a:r>
             <a:br>
               <a:rPr lang="fr-BE" b="1">
                 <a:solidFill>
@@ -7621,6 +7679,13 @@
       </p:transition>
     </mc:Fallback>
   </mc:AlternateContent>
+  <p:timing>
+    <p:tnLst>
+      <p:par>
+        <p:cTn id="1" dur="indefinite" restart="never" nodeType="tmRoot"/>
+      </p:par>
+    </p:tnLst>
+  </p:timing>
 </p:sld>
 </file>
 
@@ -7872,6 +7937,10 @@
                     <a:cs typeface="Courier New" panose="02070309020205020404" pitchFamily="49" charset="0"/>
                   </a:rPr>
                   <a:t>PDOStatement::execute</a:t>
+                </a:r>
+                <a:r>
+                  <a:rPr lang="fr-BE"/>
+                  <a:t/>
                 </a:r>
                 <a:br>
                   <a:rPr lang="fr-BE"/>
@@ -8241,6 +8310,13 @@
       </p:transition>
     </mc:Fallback>
   </mc:AlternateContent>
+  <p:timing>
+    <p:tnLst>
+      <p:par>
+        <p:cTn id="1" dur="indefinite" restart="never" nodeType="tmRoot"/>
+      </p:par>
+    </p:tnLst>
+  </p:timing>
 </p:sld>
 </file>
 
@@ -8359,6 +8435,13 @@
       </p:transition>
     </mc:Fallback>
   </mc:AlternateContent>
+  <p:timing>
+    <p:tnLst>
+      <p:par>
+        <p:cTn id="1" dur="indefinite" restart="never" nodeType="tmRoot"/>
+      </p:par>
+    </p:tnLst>
+  </p:timing>
 </p:sld>
 </file>
 
@@ -8503,6 +8586,13 @@
       </p:transition>
     </mc:Fallback>
   </mc:AlternateContent>
+  <p:timing>
+    <p:tnLst>
+      <p:par>
+        <p:cTn id="1" dur="indefinite" restart="never" nodeType="tmRoot"/>
+      </p:par>
+    </p:tnLst>
+  </p:timing>
 </p:sld>
 </file>
 
@@ -8965,6 +9055,13 @@
       </p:transition>
     </mc:Fallback>
   </mc:AlternateContent>
+  <p:timing>
+    <p:tnLst>
+      <p:par>
+        <p:cTn id="1" dur="indefinite" restart="never" nodeType="tmRoot"/>
+      </p:par>
+    </p:tnLst>
+  </p:timing>
 </p:sld>
 </file>
 
@@ -9359,12 +9456,19 @@
         <p14:reveal/>
       </p:transition>
     </mc:Choice>
-    <mc:Fallback xmlns="" xmlns:mv="urn:schemas-microsoft-com:mac:vml" xmlns:c="http://schemas.openxmlformats.org/drawingml/2006/chart" xmlns:dgm="http://schemas.openxmlformats.org/drawingml/2006/diagram" xmlns:o="urn:schemas-microsoft-com:office:office" xmlns:v="urn:schemas-microsoft-com:vml" xmlns:pvml="urn:schemas-microsoft-com:office:powerpoint" xmlns:com="http://schemas.openxmlformats.org/drawingml/2006/compatibility" xmlns:p15="http://schemas.microsoft.com/office/powerpoint/2012/main" xmlns:ahyp="http://schemas.microsoft.com/office/drawing/2018/hyperlinkcolor">
+    <mc:Fallback xmlns:ahyp="http://schemas.microsoft.com/office/drawing/2018/hyperlinkcolor" xmlns:p15="http://schemas.microsoft.com/office/powerpoint/2012/main" xmlns:com="http://schemas.openxmlformats.org/drawingml/2006/compatibility" xmlns:pvml="urn:schemas-microsoft-com:office:powerpoint" xmlns:v="urn:schemas-microsoft-com:vml" xmlns:o="urn:schemas-microsoft-com:office:office" xmlns:dgm="http://schemas.openxmlformats.org/drawingml/2006/diagram" xmlns:c="http://schemas.openxmlformats.org/drawingml/2006/chart" xmlns:mv="urn:schemas-microsoft-com:mac:vml" xmlns="">
       <p:transition spd="med">
         <p:fade/>
       </p:transition>
     </mc:Fallback>
   </mc:AlternateContent>
+  <p:timing>
+    <p:tnLst>
+      <p:par>
+        <p:cTn id="1" dur="indefinite" restart="never" nodeType="tmRoot"/>
+      </p:par>
+    </p:tnLst>
+  </p:timing>
 </p:sld>
 </file>
 
@@ -9711,6 +9815,13 @@
       </p:transition>
     </mc:Fallback>
   </mc:AlternateContent>
+  <p:timing>
+    <p:tnLst>
+      <p:par>
+        <p:cTn id="1" dur="indefinite" restart="never" nodeType="tmRoot"/>
+      </p:par>
+    </p:tnLst>
+  </p:timing>
 </p:sld>
 </file>
 
@@ -10073,6 +10184,13 @@
       </p:transition>
     </mc:Fallback>
   </mc:AlternateContent>
+  <p:timing>
+    <p:tnLst>
+      <p:par>
+        <p:cTn id="1" dur="indefinite" restart="never" nodeType="tmRoot"/>
+      </p:par>
+    </p:tnLst>
+  </p:timing>
 </p:sld>
 </file>
 
@@ -10422,6 +10540,13 @@
       </p:transition>
     </mc:Fallback>
   </mc:AlternateContent>
+  <p:timing>
+    <p:tnLst>
+      <p:par>
+        <p:cTn id="1" dur="indefinite" restart="never" nodeType="tmRoot"/>
+      </p:par>
+    </p:tnLst>
+  </p:timing>
 </p:sld>
 </file>
 
@@ -10606,6 +10731,13 @@
       </p:transition>
     </mc:Fallback>
   </mc:AlternateContent>
+  <p:timing>
+    <p:tnLst>
+      <p:par>
+        <p:cTn id="1" dur="indefinite" restart="never" nodeType="tmRoot"/>
+      </p:par>
+    </p:tnLst>
+  </p:timing>
 </p:sld>
 </file>
 
@@ -10931,6 +11063,13 @@
       </p:transition>
     </mc:Fallback>
   </mc:AlternateContent>
+  <p:timing>
+    <p:tnLst>
+      <p:par>
+        <p:cTn id="1" dur="indefinite" restart="never" nodeType="tmRoot"/>
+      </p:par>
+    </p:tnLst>
+  </p:timing>
 </p:sld>
 </file>
 
@@ -11256,6 +11395,10 @@
               </a:rPr>
               <a:t>row</a:t>
             </a:r>
+            <a:r>
+              <a:rPr lang="fr-BE" sz="2800"/>
+              <a:t/>
+            </a:r>
             <a:br>
               <a:rPr lang="fr-BE" sz="2800"/>
             </a:br>
@@ -11306,6 +11449,10 @@
                 <a:latin typeface="Consolas" panose="020B0609020204030204" pitchFamily="49" charset="0"/>
               </a:rPr>
               <a:t> </a:t>
+            </a:r>
+            <a:r>
+              <a:rPr lang="fr-BE" sz="2800"/>
+              <a:t/>
             </a:r>
             <a:br>
               <a:rPr lang="fr-BE" sz="2800"/>
@@ -11568,6 +11715,13 @@
       </p:transition>
     </mc:Fallback>
   </mc:AlternateContent>
+  <p:timing>
+    <p:tnLst>
+      <p:par>
+        <p:cTn id="1" dur="indefinite" restart="never" nodeType="tmRoot"/>
+      </p:par>
+    </p:tnLst>
+  </p:timing>
 </p:sld>
 </file>
 
@@ -11812,6 +11966,10 @@
               </a:rPr>
               <a:t> </a:t>
             </a:r>
+            <a:r>
+              <a:rPr lang="fr-BE" sz="3000"/>
+              <a:t/>
+            </a:r>
             <a:br>
               <a:rPr lang="fr-BE" sz="3000"/>
             </a:br>
@@ -11853,6 +12011,10 @@
                 <a:cs typeface="Courier New" panose="02070309020205020404" pitchFamily="49" charset="0"/>
               </a:rPr>
               <a:t>$data </a:t>
+            </a:r>
+            <a:r>
+              <a:rPr lang="fr-BE" sz="3000"/>
+              <a:t/>
             </a:r>
             <a:br>
               <a:rPr lang="fr-BE" sz="3000"/>
@@ -12276,6 +12438,13 @@
       </p:transition>
     </mc:Fallback>
   </mc:AlternateContent>
+  <p:timing>
+    <p:tnLst>
+      <p:par>
+        <p:cTn id="1" dur="indefinite" restart="never" nodeType="tmRoot"/>
+      </p:par>
+    </p:tnLst>
+  </p:timing>
 </p:sld>
 </file>
 
@@ -12389,6 +12558,13 @@
       </p:transition>
     </mc:Fallback>
   </mc:AlternateContent>
+  <p:timing>
+    <p:tnLst>
+      <p:par>
+        <p:cTn id="1" dur="indefinite" restart="never" nodeType="tmRoot"/>
+      </p:par>
+    </p:tnLst>
+  </p:timing>
 </p:sld>
 </file>
 
@@ -12717,6 +12893,13 @@
       </p:transition>
     </mc:Fallback>
   </mc:AlternateContent>
+  <p:timing>
+    <p:tnLst>
+      <p:par>
+        <p:cTn id="1" dur="indefinite" restart="never" nodeType="tmRoot"/>
+      </p:par>
+    </p:tnLst>
+  </p:timing>
 </p:sld>
 </file>
 
@@ -12881,6 +13064,13 @@
       </p:transition>
     </mc:Fallback>
   </mc:AlternateContent>
+  <p:timing>
+    <p:tnLst>
+      <p:par>
+        <p:cTn id="1" dur="indefinite" restart="never" nodeType="tmRoot"/>
+      </p:par>
+    </p:tnLst>
+  </p:timing>
 </p:sld>
 </file>
 
@@ -13059,6 +13249,13 @@
       </p:transition>
     </mc:Fallback>
   </mc:AlternateContent>
+  <p:timing>
+    <p:tnLst>
+      <p:par>
+        <p:cTn id="1" dur="indefinite" restart="never" nodeType="tmRoot"/>
+      </p:par>
+    </p:tnLst>
+  </p:timing>
 </p:sld>
 </file>
 
@@ -13448,6 +13645,13 @@
       </p:transition>
     </mc:Fallback>
   </mc:AlternateContent>
+  <p:timing>
+    <p:tnLst>
+      <p:par>
+        <p:cTn id="1" dur="indefinite" restart="never" nodeType="tmRoot"/>
+      </p:par>
+    </p:tnLst>
+  </p:timing>
 </p:sld>
 </file>
 
@@ -13531,18 +13735,18 @@
               <a:buAutoNum type="arabicPeriod"/>
             </a:pPr>
             <a:r>
-              <a:rPr lang="fr-BE"/>
+              <a:rPr lang="fr-BE" dirty="0"/>
               <a:t>La requête SQL est préparée avec des valeurs vides </a:t>
             </a:r>
           </a:p>
           <a:p>
             <a:pPr lvl="1"/>
             <a:r>
-              <a:rPr lang="fr-BE"/>
+              <a:rPr lang="fr-BE" dirty="0"/>
               <a:t>Syntaxe : </a:t>
             </a:r>
             <a:r>
-              <a:rPr lang="fr-BE">
+              <a:rPr lang="fr-BE" dirty="0">
                 <a:solidFill>
                   <a:schemeClr val="accent2"/>
                 </a:solidFill>
@@ -13552,17 +13756,17 @@
               <a:t>":mail"</a:t>
             </a:r>
             <a:r>
-              <a:rPr lang="fr-BE">
+              <a:rPr lang="fr-BE" dirty="0">
                 <a:latin typeface="Consolas" panose="020B0609020204030204" pitchFamily="49" charset="0"/>
               </a:rPr>
               <a:t> </a:t>
             </a:r>
             <a:r>
-              <a:rPr lang="fr-BE"/>
+              <a:rPr lang="fr-BE" dirty="0"/>
               <a:t>ou </a:t>
             </a:r>
             <a:r>
-              <a:rPr lang="fr-BE">
+              <a:rPr lang="fr-BE" dirty="0">
                 <a:solidFill>
                   <a:schemeClr val="accent2"/>
                 </a:solidFill>
@@ -13580,7 +13784,7 @@
               <a:buNone/>
             </a:pPr>
             <a:r>
-              <a:rPr lang="en-US" sz="2600">
+              <a:rPr lang="en-US" sz="2600" dirty="0">
                 <a:solidFill>
                   <a:schemeClr val="accent6">
                     <a:lumMod val="50000"/>
@@ -13592,7 +13796,7 @@
               <a:t>$q = 'SELECT * FROM users WHERE email=</a:t>
             </a:r>
             <a:r>
-              <a:rPr lang="en-US" sz="2600">
+              <a:rPr lang="en-US" sz="2600" dirty="0">
                 <a:solidFill>
                   <a:schemeClr val="accent2"/>
                 </a:solidFill>
@@ -13602,7 +13806,7 @@
               <a:t>:mail </a:t>
             </a:r>
             <a:r>
-              <a:rPr lang="en-US" sz="2600">
+              <a:rPr lang="en-US" sz="2600" dirty="0">
                 <a:solidFill>
                   <a:schemeClr val="accent6">
                     <a:lumMod val="50000"/>
@@ -13614,7 +13818,7 @@
               <a:t>AND status=</a:t>
             </a:r>
             <a:r>
-              <a:rPr lang="en-US" sz="2600">
+              <a:rPr lang="en-US" sz="2600" dirty="0">
                 <a:solidFill>
                   <a:schemeClr val="accent2"/>
                 </a:solidFill>
@@ -13624,7 +13828,7 @@
               <a:t>:stat</a:t>
             </a:r>
             <a:r>
-              <a:rPr lang="en-US" sz="2600">
+              <a:rPr lang="en-US" sz="2600" dirty="0">
                 <a:solidFill>
                   <a:schemeClr val="accent6">
                     <a:lumMod val="50000"/>
@@ -13635,7 +13839,7 @@
               </a:rPr>
               <a:t>';</a:t>
             </a:r>
-            <a:endParaRPr lang="fr-BE" sz="2600">
+            <a:endParaRPr lang="fr-BE" sz="2600" dirty="0">
               <a:solidFill>
                 <a:schemeClr val="accent6">
                   <a:lumMod val="50000"/>
@@ -13653,16 +13857,64 @@
               <a:buNone/>
             </a:pPr>
             <a:r>
-              <a:rPr lang="en-US" sz="2600">
-                <a:solidFill>
-                  <a:schemeClr val="accent6">
-                    <a:lumMod val="50000"/>
-                  </a:schemeClr>
-                </a:solidFill>
-                <a:latin typeface="Consolas" panose="020B0609020204030204" pitchFamily="49" charset="0"/>
-                <a:cs typeface="Courier New" panose="02070309020205020404" pitchFamily="49" charset="0"/>
-              </a:rPr>
-              <a:t>$stmt = $pdo-&gt;prepare($q);</a:t>
+              <a:rPr lang="en-US" sz="2600" dirty="0">
+                <a:solidFill>
+                  <a:schemeClr val="accent6">
+                    <a:lumMod val="50000"/>
+                  </a:schemeClr>
+                </a:solidFill>
+                <a:latin typeface="Consolas" panose="020B0609020204030204" pitchFamily="49" charset="0"/>
+                <a:cs typeface="Courier New" panose="02070309020205020404" pitchFamily="49" charset="0"/>
+              </a:rPr>
+              <a:t>$</a:t>
+            </a:r>
+            <a:r>
+              <a:rPr lang="en-US" sz="2600" dirty="0" err="1">
+                <a:solidFill>
+                  <a:schemeClr val="accent6">
+                    <a:lumMod val="50000"/>
+                  </a:schemeClr>
+                </a:solidFill>
+                <a:latin typeface="Consolas" panose="020B0609020204030204" pitchFamily="49" charset="0"/>
+                <a:cs typeface="Courier New" panose="02070309020205020404" pitchFamily="49" charset="0"/>
+              </a:rPr>
+              <a:t>stmt</a:t>
+            </a:r>
+            <a:r>
+              <a:rPr lang="en-US" sz="2600" dirty="0">
+                <a:solidFill>
+                  <a:schemeClr val="accent6">
+                    <a:lumMod val="50000"/>
+                  </a:schemeClr>
+                </a:solidFill>
+                <a:latin typeface="Consolas" panose="020B0609020204030204" pitchFamily="49" charset="0"/>
+                <a:cs typeface="Courier New" panose="02070309020205020404" pitchFamily="49" charset="0"/>
+              </a:rPr>
+              <a:t> = $</a:t>
+            </a:r>
+            <a:r>
+              <a:rPr lang="en-US" sz="2600" dirty="0" err="1">
+                <a:solidFill>
+                  <a:schemeClr val="accent6">
+                    <a:lumMod val="50000"/>
+                  </a:schemeClr>
+                </a:solidFill>
+                <a:latin typeface="Consolas" panose="020B0609020204030204" pitchFamily="49" charset="0"/>
+                <a:cs typeface="Courier New" panose="02070309020205020404" pitchFamily="49" charset="0"/>
+              </a:rPr>
+              <a:t>pdo</a:t>
+            </a:r>
+            <a:r>
+              <a:rPr lang="en-US" sz="2600" dirty="0">
+                <a:solidFill>
+                  <a:schemeClr val="accent6">
+                    <a:lumMod val="50000"/>
+                  </a:schemeClr>
+                </a:solidFill>
+                <a:latin typeface="Consolas" panose="020B0609020204030204" pitchFamily="49" charset="0"/>
+                <a:cs typeface="Courier New" panose="02070309020205020404" pitchFamily="49" charset="0"/>
+              </a:rPr>
+              <a:t>-&gt;prepare($q);</a:t>
             </a:r>
           </a:p>
           <a:p>
@@ -13671,8 +13923,24 @@
               <a:buAutoNum type="arabicPeriod"/>
             </a:pPr>
             <a:r>
-              <a:rPr lang="fr-BE"/>
-              <a:t>Ces valeurs vides sont liées à une valeur (assoc array).</a:t>
+              <a:rPr lang="fr-BE" dirty="0"/>
+              <a:t>Ces valeurs vides sont liées à une valeur (</a:t>
+            </a:r>
+            <a:r>
+              <a:rPr lang="fr-BE" dirty="0" err="1"/>
+              <a:t>assoc</a:t>
+            </a:r>
+            <a:r>
+              <a:rPr lang="fr-BE" dirty="0"/>
+              <a:t> </a:t>
+            </a:r>
+            <a:r>
+              <a:rPr lang="fr-BE" dirty="0" err="1"/>
+              <a:t>array</a:t>
+            </a:r>
+            <a:r>
+              <a:rPr lang="fr-BE" dirty="0"/>
+              <a:t>).</a:t>
             </a:r>
           </a:p>
           <a:p>
@@ -13680,30 +13948,102 @@
               <a:buNone/>
             </a:pPr>
             <a:r>
-              <a:rPr lang="fr-BE" sz="2600">
-                <a:solidFill>
-                  <a:schemeClr val="accent6">
-                    <a:lumMod val="50000"/>
-                  </a:schemeClr>
-                </a:solidFill>
-                <a:latin typeface="Consolas" panose="020B0609020204030204" pitchFamily="49" charset="0"/>
-                <a:cs typeface="Courier New" panose="02070309020205020404" pitchFamily="49" charset="0"/>
-              </a:rPr>
-              <a:t>	$param = </a:t>
-            </a:r>
-            <a:r>
-              <a:rPr lang="en-US" sz="2600">
-                <a:solidFill>
-                  <a:schemeClr val="accent6">
-                    <a:lumMod val="50000"/>
-                  </a:schemeClr>
-                </a:solidFill>
-                <a:latin typeface="Consolas" panose="020B0609020204030204" pitchFamily="49" charset="0"/>
-                <a:cs typeface="Courier New" panose="02070309020205020404" pitchFamily="49" charset="0"/>
-              </a:rPr>
-              <a:t>['email' =&gt; $email, 'status' =&gt; $status];</a:t>
-            </a:r>
-            <a:endParaRPr lang="fr-BE" sz="2600">
+              <a:rPr lang="fr-BE" sz="2600" dirty="0">
+                <a:solidFill>
+                  <a:schemeClr val="accent6">
+                    <a:lumMod val="50000"/>
+                  </a:schemeClr>
+                </a:solidFill>
+                <a:latin typeface="Consolas" panose="020B0609020204030204" pitchFamily="49" charset="0"/>
+                <a:cs typeface="Courier New" panose="02070309020205020404" pitchFamily="49" charset="0"/>
+              </a:rPr>
+              <a:t>	$</a:t>
+            </a:r>
+            <a:r>
+              <a:rPr lang="fr-BE" sz="2600" dirty="0" err="1">
+                <a:solidFill>
+                  <a:schemeClr val="accent6">
+                    <a:lumMod val="50000"/>
+                  </a:schemeClr>
+                </a:solidFill>
+                <a:latin typeface="Consolas" panose="020B0609020204030204" pitchFamily="49" charset="0"/>
+                <a:cs typeface="Courier New" panose="02070309020205020404" pitchFamily="49" charset="0"/>
+              </a:rPr>
+              <a:t>param</a:t>
+            </a:r>
+            <a:r>
+              <a:rPr lang="fr-BE" sz="2600" dirty="0">
+                <a:solidFill>
+                  <a:schemeClr val="accent6">
+                    <a:lumMod val="50000"/>
+                  </a:schemeClr>
+                </a:solidFill>
+                <a:latin typeface="Consolas" panose="020B0609020204030204" pitchFamily="49" charset="0"/>
+                <a:cs typeface="Courier New" panose="02070309020205020404" pitchFamily="49" charset="0"/>
+              </a:rPr>
+              <a:t> = </a:t>
+            </a:r>
+            <a:r>
+              <a:rPr lang="en-US" sz="2600" dirty="0">
+                <a:solidFill>
+                  <a:schemeClr val="accent6">
+                    <a:lumMod val="50000"/>
+                  </a:schemeClr>
+                </a:solidFill>
+                <a:latin typeface="Consolas" panose="020B0609020204030204" pitchFamily="49" charset="0"/>
+                <a:cs typeface="Courier New" panose="02070309020205020404" pitchFamily="49" charset="0"/>
+              </a:rPr>
+              <a:t>[</a:t>
+            </a:r>
+            <a:r>
+              <a:rPr lang="en-US" sz="2600" dirty="0" smtClean="0">
+                <a:solidFill>
+                  <a:schemeClr val="accent6">
+                    <a:lumMod val="50000"/>
+                  </a:schemeClr>
+                </a:solidFill>
+                <a:latin typeface="Consolas" panose="020B0609020204030204" pitchFamily="49" charset="0"/>
+                <a:cs typeface="Courier New" panose="02070309020205020404" pitchFamily="49" charset="0"/>
+              </a:rPr>
+              <a:t>'mail</a:t>
+            </a:r>
+            <a:r>
+              <a:rPr lang="en-US" sz="2600" dirty="0">
+                <a:solidFill>
+                  <a:schemeClr val="accent6">
+                    <a:lumMod val="50000"/>
+                  </a:schemeClr>
+                </a:solidFill>
+                <a:latin typeface="Consolas" panose="020B0609020204030204" pitchFamily="49" charset="0"/>
+                <a:cs typeface="Courier New" panose="02070309020205020404" pitchFamily="49" charset="0"/>
+              </a:rPr>
+              <a:t>' =&gt; $email, </a:t>
+            </a:r>
+            <a:r>
+              <a:rPr lang="en-US" sz="2600" dirty="0" smtClean="0">
+                <a:solidFill>
+                  <a:schemeClr val="accent6">
+                    <a:lumMod val="50000"/>
+                  </a:schemeClr>
+                </a:solidFill>
+                <a:latin typeface="Consolas" panose="020B0609020204030204" pitchFamily="49" charset="0"/>
+                <a:cs typeface="Courier New" panose="02070309020205020404" pitchFamily="49" charset="0"/>
+              </a:rPr>
+              <a:t>'stat' </a:t>
+            </a:r>
+            <a:r>
+              <a:rPr lang="en-US" sz="2600" dirty="0">
+                <a:solidFill>
+                  <a:schemeClr val="accent6">
+                    <a:lumMod val="50000"/>
+                  </a:schemeClr>
+                </a:solidFill>
+                <a:latin typeface="Consolas" panose="020B0609020204030204" pitchFamily="49" charset="0"/>
+                <a:cs typeface="Courier New" panose="02070309020205020404" pitchFamily="49" charset="0"/>
+              </a:rPr>
+              <a:t>=&gt; $status];</a:t>
+            </a:r>
+            <a:endParaRPr lang="fr-BE" sz="2600" dirty="0">
               <a:solidFill>
                 <a:schemeClr val="accent6">
                   <a:lumMod val="50000"/>
@@ -13719,7 +14059,7 @@
               <a:buAutoNum type="arabicPeriod"/>
             </a:pPr>
             <a:r>
-              <a:rPr lang="fr-BE"/>
+              <a:rPr lang="fr-BE" dirty="0"/>
               <a:t>Cette requête est exécutée.</a:t>
             </a:r>
           </a:p>
@@ -13728,16 +14068,64 @@
               <a:buNone/>
             </a:pPr>
             <a:r>
-              <a:rPr lang="en-US" sz="2600">
-                <a:solidFill>
-                  <a:schemeClr val="accent6">
-                    <a:lumMod val="50000"/>
-                  </a:schemeClr>
-                </a:solidFill>
-                <a:latin typeface="Consolas" panose="020B0609020204030204" pitchFamily="49" charset="0"/>
-                <a:cs typeface="Courier New" panose="02070309020205020404" pitchFamily="49" charset="0"/>
-              </a:rPr>
-              <a:t>	$stmt-&gt;execute($param);</a:t>
+              <a:rPr lang="en-US" sz="2600" dirty="0">
+                <a:solidFill>
+                  <a:schemeClr val="accent6">
+                    <a:lumMod val="50000"/>
+                  </a:schemeClr>
+                </a:solidFill>
+                <a:latin typeface="Consolas" panose="020B0609020204030204" pitchFamily="49" charset="0"/>
+                <a:cs typeface="Courier New" panose="02070309020205020404" pitchFamily="49" charset="0"/>
+              </a:rPr>
+              <a:t>	$</a:t>
+            </a:r>
+            <a:r>
+              <a:rPr lang="en-US" sz="2600" dirty="0" err="1">
+                <a:solidFill>
+                  <a:schemeClr val="accent6">
+                    <a:lumMod val="50000"/>
+                  </a:schemeClr>
+                </a:solidFill>
+                <a:latin typeface="Consolas" panose="020B0609020204030204" pitchFamily="49" charset="0"/>
+                <a:cs typeface="Courier New" panose="02070309020205020404" pitchFamily="49" charset="0"/>
+              </a:rPr>
+              <a:t>stmt</a:t>
+            </a:r>
+            <a:r>
+              <a:rPr lang="en-US" sz="2600" dirty="0">
+                <a:solidFill>
+                  <a:schemeClr val="accent6">
+                    <a:lumMod val="50000"/>
+                  </a:schemeClr>
+                </a:solidFill>
+                <a:latin typeface="Consolas" panose="020B0609020204030204" pitchFamily="49" charset="0"/>
+                <a:cs typeface="Courier New" panose="02070309020205020404" pitchFamily="49" charset="0"/>
+              </a:rPr>
+              <a:t>-&gt;execute($</a:t>
+            </a:r>
+            <a:r>
+              <a:rPr lang="en-US" sz="2600" dirty="0" err="1">
+                <a:solidFill>
+                  <a:schemeClr val="accent6">
+                    <a:lumMod val="50000"/>
+                  </a:schemeClr>
+                </a:solidFill>
+                <a:latin typeface="Consolas" panose="020B0609020204030204" pitchFamily="49" charset="0"/>
+                <a:cs typeface="Courier New" panose="02070309020205020404" pitchFamily="49" charset="0"/>
+              </a:rPr>
+              <a:t>param</a:t>
+            </a:r>
+            <a:r>
+              <a:rPr lang="en-US" sz="2600" dirty="0">
+                <a:solidFill>
+                  <a:schemeClr val="accent6">
+                    <a:lumMod val="50000"/>
+                  </a:schemeClr>
+                </a:solidFill>
+                <a:latin typeface="Consolas" panose="020B0609020204030204" pitchFamily="49" charset="0"/>
+                <a:cs typeface="Courier New" panose="02070309020205020404" pitchFamily="49" charset="0"/>
+              </a:rPr>
+              <a:t>);</a:t>
             </a:r>
           </a:p>
           <a:p>
@@ -13746,7 +14134,7 @@
               <a:buAutoNum type="arabicPeriod" startAt="4"/>
             </a:pPr>
             <a:r>
-              <a:rPr lang="fr-BE"/>
+              <a:rPr lang="fr-BE" dirty="0"/>
               <a:t>Les résultats sont traités.</a:t>
             </a:r>
           </a:p>
@@ -13755,16 +14143,40 @@
               <a:buNone/>
             </a:pPr>
             <a:r>
-              <a:rPr lang="en-US" sz="2600">
-                <a:solidFill>
-                  <a:schemeClr val="accent6">
-                    <a:lumMod val="50000"/>
-                  </a:schemeClr>
-                </a:solidFill>
-                <a:latin typeface="Consolas" panose="020B0609020204030204" pitchFamily="49" charset="0"/>
-                <a:cs typeface="Courier New" panose="02070309020205020404" pitchFamily="49" charset="0"/>
-              </a:rPr>
-              <a:t>	$user = $stmt-&gt;fetch();</a:t>
+              <a:rPr lang="en-US" sz="2600" dirty="0">
+                <a:solidFill>
+                  <a:schemeClr val="accent6">
+                    <a:lumMod val="50000"/>
+                  </a:schemeClr>
+                </a:solidFill>
+                <a:latin typeface="Consolas" panose="020B0609020204030204" pitchFamily="49" charset="0"/>
+                <a:cs typeface="Courier New" panose="02070309020205020404" pitchFamily="49" charset="0"/>
+              </a:rPr>
+              <a:t>	$user = $</a:t>
+            </a:r>
+            <a:r>
+              <a:rPr lang="en-US" sz="2600" dirty="0" err="1">
+                <a:solidFill>
+                  <a:schemeClr val="accent6">
+                    <a:lumMod val="50000"/>
+                  </a:schemeClr>
+                </a:solidFill>
+                <a:latin typeface="Consolas" panose="020B0609020204030204" pitchFamily="49" charset="0"/>
+                <a:cs typeface="Courier New" panose="02070309020205020404" pitchFamily="49" charset="0"/>
+              </a:rPr>
+              <a:t>stmt</a:t>
+            </a:r>
+            <a:r>
+              <a:rPr lang="en-US" sz="2600" dirty="0">
+                <a:solidFill>
+                  <a:schemeClr val="accent6">
+                    <a:lumMod val="50000"/>
+                  </a:schemeClr>
+                </a:solidFill>
+                <a:latin typeface="Consolas" panose="020B0609020204030204" pitchFamily="49" charset="0"/>
+                <a:cs typeface="Courier New" panose="02070309020205020404" pitchFamily="49" charset="0"/>
+              </a:rPr>
+              <a:t>-&gt;fetch();</a:t>
             </a:r>
           </a:p>
           <a:p>
@@ -13772,23 +14184,47 @@
               <a:buNone/>
             </a:pPr>
             <a:r>
-              <a:rPr lang="en-US" sz="2600">
-                <a:solidFill>
-                  <a:schemeClr val="accent6">
-                    <a:lumMod val="50000"/>
-                  </a:schemeClr>
-                </a:solidFill>
-                <a:latin typeface="Consolas" panose="020B0609020204030204" pitchFamily="49" charset="0"/>
-                <a:cs typeface="Courier New" panose="02070309020205020404" pitchFamily="49" charset="0"/>
-              </a:rPr>
-              <a:t>	$stmt-&gt;close();</a:t>
+              <a:rPr lang="en-US" sz="2600" dirty="0">
+                <a:solidFill>
+                  <a:schemeClr val="accent6">
+                    <a:lumMod val="50000"/>
+                  </a:schemeClr>
+                </a:solidFill>
+                <a:latin typeface="Consolas" panose="020B0609020204030204" pitchFamily="49" charset="0"/>
+                <a:cs typeface="Courier New" panose="02070309020205020404" pitchFamily="49" charset="0"/>
+              </a:rPr>
+              <a:t>	$</a:t>
+            </a:r>
+            <a:r>
+              <a:rPr lang="en-US" sz="2600" dirty="0" err="1">
+                <a:solidFill>
+                  <a:schemeClr val="accent6">
+                    <a:lumMod val="50000"/>
+                  </a:schemeClr>
+                </a:solidFill>
+                <a:latin typeface="Consolas" panose="020B0609020204030204" pitchFamily="49" charset="0"/>
+                <a:cs typeface="Courier New" panose="02070309020205020404" pitchFamily="49" charset="0"/>
+              </a:rPr>
+              <a:t>stmt</a:t>
+            </a:r>
+            <a:r>
+              <a:rPr lang="en-US" sz="2600" dirty="0">
+                <a:solidFill>
+                  <a:schemeClr val="accent6">
+                    <a:lumMod val="50000"/>
+                  </a:schemeClr>
+                </a:solidFill>
+                <a:latin typeface="Consolas" panose="020B0609020204030204" pitchFamily="49" charset="0"/>
+                <a:cs typeface="Courier New" panose="02070309020205020404" pitchFamily="49" charset="0"/>
+              </a:rPr>
+              <a:t>-&gt;close();</a:t>
             </a:r>
           </a:p>
           <a:p>
             <a:pPr marL="457189" lvl="1" indent="0">
               <a:buNone/>
             </a:pPr>
-            <a:endParaRPr lang="en-US" sz="3100">
+            <a:endParaRPr lang="en-US" sz="3100" dirty="0">
               <a:solidFill>
                 <a:schemeClr val="accent6">
                   <a:lumMod val="50000"/>
@@ -13802,14 +14238,14 @@
             <a:pPr marL="0" indent="0">
               <a:buNone/>
             </a:pPr>
-            <a:endParaRPr lang="fr-BE"/>
+            <a:endParaRPr lang="fr-BE" dirty="0"/>
           </a:p>
           <a:p>
             <a:pPr marL="514350" indent="-514350">
               <a:buFont typeface="+mj-lt"/>
               <a:buAutoNum type="arabicPeriod"/>
             </a:pPr>
-            <a:endParaRPr lang="fr-BE"/>
+            <a:endParaRPr lang="fr-BE" dirty="0"/>
           </a:p>
         </p:txBody>
       </p:sp>
@@ -13835,6 +14271,13 @@
       </p:transition>
     </mc:Fallback>
   </mc:AlternateContent>
+  <p:timing>
+    <p:tnLst>
+      <p:par>
+        <p:cTn id="1" dur="indefinite" restart="never" nodeType="tmRoot"/>
+      </p:par>
+    </p:tnLst>
+  </p:timing>
 </p:sld>
 </file>
 
@@ -14130,6 +14573,13 @@
       </p:transition>
     </mc:Fallback>
   </mc:AlternateContent>
+  <p:timing>
+    <p:tnLst>
+      <p:par>
+        <p:cTn id="1" dur="indefinite" restart="never" nodeType="tmRoot"/>
+      </p:par>
+    </p:tnLst>
+  </p:timing>
 </p:sld>
 </file>
 
@@ -14411,6 +14861,13 @@
       </p:transition>
     </mc:Fallback>
   </mc:AlternateContent>
+  <p:timing>
+    <p:tnLst>
+      <p:par>
+        <p:cTn id="1" dur="indefinite" restart="never" nodeType="tmRoot"/>
+      </p:par>
+    </p:tnLst>
+  </p:timing>
 </p:sld>
 </file>
 
@@ -16733,6 +17190,13 @@
       </p:transition>
     </mc:Fallback>
   </mc:AlternateContent>
+  <p:timing>
+    <p:tnLst>
+      <p:par>
+        <p:cTn id="1" dur="indefinite" restart="never" nodeType="tmRoot"/>
+      </p:par>
+    </p:tnLst>
+  </p:timing>
 </p:sld>
 </file>
 
@@ -19485,6 +19949,13 @@
       </p:transition>
     </mc:Fallback>
   </mc:AlternateContent>
+  <p:timing>
+    <p:tnLst>
+      <p:par>
+        <p:cTn id="1" dur="indefinite" restart="never" nodeType="tmRoot"/>
+      </p:par>
+    </p:tnLst>
+  </p:timing>
 </p:sld>
 </file>
 
@@ -22578,7 +23049,7 @@
           <a:p>
             <a:fld id="{5D1E7CC7-66BF-4B04-8372-9E986CBE7657}" type="datetime1">
               <a:rPr lang="fr-BE" smtClean="0"/>
-              <a:t>11-01-26</a:t>
+              <a:t>12-01-26</a:t>
             </a:fld>
             <a:endParaRPr lang="fr-BE"/>
           </a:p>
@@ -22635,6 +23106,13 @@
       </p:transition>
     </mc:Fallback>
   </mc:AlternateContent>
+  <p:timing>
+    <p:tnLst>
+      <p:par>
+        <p:cTn id="1" dur="indefinite" restart="never" nodeType="tmRoot"/>
+      </p:par>
+    </p:tnLst>
+  </p:timing>
 </p:sld>
 </file>
 
@@ -23435,6 +23913,13 @@
       </p:transition>
     </mc:Fallback>
   </mc:AlternateContent>
+  <p:timing>
+    <p:tnLst>
+      <p:par>
+        <p:cTn id="1" dur="indefinite" restart="never" nodeType="tmRoot"/>
+      </p:par>
+    </p:tnLst>
+  </p:timing>
 </p:sld>
 </file>
 
@@ -23622,6 +24107,14 @@
                 </a:rPr>
                 <a:t>t_deal</a:t>
               </a:r>
+              <a:r>
+                <a:rPr lang="fr-BE">
+                  <a:solidFill>
+                    <a:schemeClr val="tx1"/>
+                  </a:solidFill>
+                </a:rPr>
+                <a:t/>
+              </a:r>
               <a:br>
                 <a:rPr lang="fr-BE">
                   <a:solidFill>
@@ -23637,6 +24130,14 @@
                 </a:rPr>
                 <a:t>id_dea</a:t>
               </a:r>
+              <a:r>
+                <a:rPr lang="fr-BE">
+                  <a:solidFill>
+                    <a:schemeClr val="tx1"/>
+                  </a:solidFill>
+                </a:rPr>
+                <a:t/>
+              </a:r>
               <a:br>
                 <a:rPr lang="fr-BE">
                   <a:solidFill>
@@ -23651,6 +24152,14 @@
                   </a:solidFill>
                 </a:rPr>
                 <a:t>name_dea</a:t>
+              </a:r>
+              <a:r>
+                <a:rPr lang="fr-BE">
+                  <a:solidFill>
+                    <a:schemeClr val="tx1"/>
+                  </a:solidFill>
+                </a:rPr>
+                <a:t/>
               </a:r>
               <a:br>
                 <a:rPr lang="fr-BE">
@@ -23806,6 +24315,14 @@
                 </a:rPr>
                 <a:t>t_player</a:t>
               </a:r>
+              <a:r>
+                <a:rPr lang="fr-BE">
+                  <a:solidFill>
+                    <a:schemeClr val="tx1"/>
+                  </a:solidFill>
+                </a:rPr>
+                <a:t/>
+              </a:r>
               <a:br>
                 <a:rPr lang="fr-BE">
                   <a:solidFill>
@@ -23821,6 +24338,14 @@
                 </a:rPr>
                 <a:t>id_pla</a:t>
               </a:r>
+              <a:r>
+                <a:rPr lang="fr-BE">
+                  <a:solidFill>
+                    <a:schemeClr val="tx1"/>
+                  </a:solidFill>
+                </a:rPr>
+                <a:t/>
+              </a:r>
               <a:br>
                 <a:rPr lang="fr-BE">
                   <a:solidFill>
@@ -23835,6 +24360,14 @@
                   </a:solidFill>
                 </a:rPr>
                 <a:t>name_pla</a:t>
+              </a:r>
+              <a:r>
+                <a:rPr lang="fr-BE">
+                  <a:solidFill>
+                    <a:schemeClr val="tx1"/>
+                  </a:solidFill>
+                </a:rPr>
+                <a:t/>
               </a:r>
               <a:br>
                 <a:rPr lang="fr-BE">
@@ -23998,6 +24531,14 @@
                 </a:rPr>
                 <a:t>t_team</a:t>
               </a:r>
+              <a:r>
+                <a:rPr lang="fr-BE">
+                  <a:solidFill>
+                    <a:schemeClr val="tx1"/>
+                  </a:solidFill>
+                </a:rPr>
+                <a:t/>
+              </a:r>
               <a:br>
                 <a:rPr lang="fr-BE">
                   <a:solidFill>
@@ -24012,6 +24553,14 @@
                   </a:solidFill>
                 </a:rPr>
                 <a:t>id_tea</a:t>
+              </a:r>
+              <a:r>
+                <a:rPr lang="fr-BE">
+                  <a:solidFill>
+                    <a:schemeClr val="tx1"/>
+                  </a:solidFill>
+                </a:rPr>
+                <a:t/>
               </a:r>
               <a:br>
                 <a:rPr lang="fr-BE">
@@ -24167,6 +24716,14 @@
                 </a:rPr>
                 <a:t>t_score</a:t>
               </a:r>
+              <a:r>
+                <a:rPr lang="fr-BE">
+                  <a:solidFill>
+                    <a:schemeClr val="tx1"/>
+                  </a:solidFill>
+                </a:rPr>
+                <a:t/>
+              </a:r>
               <a:br>
                 <a:rPr lang="fr-BE">
                   <a:solidFill>
@@ -24181,6 +24738,14 @@
                   </a:solidFill>
                 </a:rPr>
                 <a:t>id_sco</a:t>
+              </a:r>
+              <a:r>
+                <a:rPr lang="fr-BE">
+                  <a:solidFill>
+                    <a:schemeClr val="tx1"/>
+                  </a:solidFill>
+                </a:rPr>
+                <a:t/>
               </a:r>
               <a:br>
                 <a:rPr lang="fr-BE">
@@ -24197,6 +24762,14 @@
                 </a:rPr>
                 <a:t>score_sco</a:t>
               </a:r>
+              <a:r>
+                <a:rPr lang="fr-BE">
+                  <a:solidFill>
+                    <a:schemeClr val="tx1"/>
+                  </a:solidFill>
+                </a:rPr>
+                <a:t/>
+              </a:r>
               <a:br>
                 <a:rPr lang="fr-BE">
                   <a:solidFill>
@@ -24212,6 +24785,14 @@
                 </a:rPr>
                 <a:t>date_sco</a:t>
               </a:r>
+              <a:r>
+                <a:rPr lang="fr-BE">
+                  <a:solidFill>
+                    <a:schemeClr val="tx1"/>
+                  </a:solidFill>
+                </a:rPr>
+                <a:t/>
+              </a:r>
               <a:br>
                 <a:rPr lang="fr-BE">
                   <a:solidFill>
@@ -24226,6 +24807,14 @@
                   </a:solidFill>
                 </a:rPr>
                 <a:t>fk_player_id_sco</a:t>
+              </a:r>
+              <a:r>
+                <a:rPr lang="fr-BE">
+                  <a:solidFill>
+                    <a:schemeClr val="tx1"/>
+                  </a:solidFill>
+                </a:rPr>
+                <a:t/>
               </a:r>
               <a:br>
                 <a:rPr lang="fr-BE">
@@ -24656,6 +25245,13 @@
       </p:transition>
     </mc:Fallback>
   </mc:AlternateContent>
+  <p:timing>
+    <p:tnLst>
+      <p:par>
+        <p:cTn id="1" dur="indefinite" restart="never" nodeType="tmRoot"/>
+      </p:par>
+    </p:tnLst>
+  </p:timing>
 </p:sld>
 </file>
 
@@ -24964,6 +25560,13 @@
       </p:transition>
     </mc:Fallback>
   </mc:AlternateContent>
+  <p:timing>
+    <p:tnLst>
+      <p:par>
+        <p:cTn id="1" dur="indefinite" restart="never" nodeType="tmRoot"/>
+      </p:par>
+    </p:tnLst>
+  </p:timing>
 </p:sld>
 </file>
 

--- a/syllabus/24_intégration_SQL/syllabus_24_sql.pptx
+++ b/syllabus/24_intégration_SQL/syllabus_24_sql.pptx
@@ -366,7 +366,7 @@
           <a:p>
             <a:fld id="{FCE9742F-4DAE-47F5-9244-6ACC3985DD6B}" type="datetimeFigureOut">
               <a:rPr lang="fr-BE" smtClean="0"/>
-              <a:t>12-01-26</a:t>
+              <a:t>19-01-26</a:t>
             </a:fld>
             <a:endParaRPr lang="fr-BE"/>
           </a:p>
@@ -1424,7 +1424,7 @@
           <a:p>
             <a:fld id="{F3953782-D06E-4853-BE3C-64C197273937}" type="datetimeFigureOut">
               <a:rPr lang="fr-BE" smtClean="0"/>
-              <a:t>12-01-26</a:t>
+              <a:t>19-01-26</a:t>
             </a:fld>
             <a:endParaRPr lang="fr-BE"/>
           </a:p>
@@ -3283,7 +3283,7 @@
           <a:p>
             <a:fld id="{F3953782-D06E-4853-BE3C-64C197273937}" type="datetimeFigureOut">
               <a:rPr lang="fr-BE" smtClean="0"/>
-              <a:t>12-01-26</a:t>
+              <a:t>19-01-26</a:t>
             </a:fld>
             <a:endParaRPr lang="fr-BE"/>
           </a:p>
@@ -3599,7 +3599,7 @@
           <a:p>
             <a:fld id="{F3953782-D06E-4853-BE3C-64C197273937}" type="datetimeFigureOut">
               <a:rPr lang="fr-BE" smtClean="0"/>
-              <a:t>12-01-26</a:t>
+              <a:t>19-01-26</a:t>
             </a:fld>
             <a:endParaRPr lang="fr-BE"/>
           </a:p>
@@ -3796,7 +3796,7 @@
           <a:p>
             <a:fld id="{F3953782-D06E-4853-BE3C-64C197273937}" type="datetimeFigureOut">
               <a:rPr lang="fr-BE" smtClean="0"/>
-              <a:t>12-01-26</a:t>
+              <a:t>19-01-26</a:t>
             </a:fld>
             <a:endParaRPr lang="fr-BE"/>
           </a:p>
@@ -4058,7 +4058,7 @@
           <a:p>
             <a:fld id="{F3953782-D06E-4853-BE3C-64C197273937}" type="datetimeFigureOut">
               <a:rPr lang="fr-BE" smtClean="0"/>
-              <a:t>12-01-26</a:t>
+              <a:t>19-01-26</a:t>
             </a:fld>
             <a:endParaRPr lang="fr-BE"/>
           </a:p>
@@ -4456,7 +4456,7 @@
           <a:p>
             <a:fld id="{F3953782-D06E-4853-BE3C-64C197273937}" type="datetimeFigureOut">
               <a:rPr lang="fr-BE" smtClean="0"/>
-              <a:t>12-01-26</a:t>
+              <a:t>19-01-26</a:t>
             </a:fld>
             <a:endParaRPr lang="fr-BE"/>
           </a:p>
@@ -4604,7 +4604,7 @@
           <a:p>
             <a:fld id="{F3953782-D06E-4853-BE3C-64C197273937}" type="datetimeFigureOut">
               <a:rPr lang="fr-BE" smtClean="0"/>
-              <a:t>12-01-26</a:t>
+              <a:t>19-01-26</a:t>
             </a:fld>
             <a:endParaRPr lang="fr-BE"/>
           </a:p>
@@ -4953,7 +4953,7 @@
           <a:p>
             <a:fld id="{F3953782-D06E-4853-BE3C-64C197273937}" type="datetimeFigureOut">
               <a:rPr lang="fr-BE" smtClean="0"/>
-              <a:t>12-01-26</a:t>
+              <a:t>19-01-26</a:t>
             </a:fld>
             <a:endParaRPr lang="fr-BE"/>
           </a:p>
@@ -5279,7 +5279,7 @@
           <a:p>
             <a:fld id="{F3953782-D06E-4853-BE3C-64C197273937}" type="datetimeFigureOut">
               <a:rPr lang="fr-BE" smtClean="0"/>
-              <a:t>12-01-26</a:t>
+              <a:t>19-01-26</a:t>
             </a:fld>
             <a:endParaRPr lang="fr-BE"/>
           </a:p>
@@ -5934,7 +5934,7 @@
         <p14:reveal/>
       </p:transition>
     </mc:Choice>
-    <mc:Fallback xmlns="" xmlns:mv="urn:schemas-microsoft-com:mac:vml" xmlns:c="http://schemas.openxmlformats.org/drawingml/2006/chart" xmlns:dgm="http://schemas.openxmlformats.org/drawingml/2006/diagram" xmlns:o="urn:schemas-microsoft-com:office:office" xmlns:v="urn:schemas-microsoft-com:vml" xmlns:pvml="urn:schemas-microsoft-com:office:powerpoint" xmlns:com="http://schemas.openxmlformats.org/drawingml/2006/compatibility" xmlns:p15="http://schemas.microsoft.com/office/powerpoint/2012/main" xmlns:ahyp="http://schemas.microsoft.com/office/drawing/2018/hyperlinkcolor">
+    <mc:Fallback xmlns:ahyp="http://schemas.microsoft.com/office/drawing/2018/hyperlinkcolor" xmlns:p15="http://schemas.microsoft.com/office/powerpoint/2012/main" xmlns:com="http://schemas.openxmlformats.org/drawingml/2006/compatibility" xmlns:pvml="urn:schemas-microsoft-com:office:powerpoint" xmlns:v="urn:schemas-microsoft-com:vml" xmlns:o="urn:schemas-microsoft-com:office:office" xmlns:dgm="http://schemas.openxmlformats.org/drawingml/2006/diagram" xmlns:c="http://schemas.openxmlformats.org/drawingml/2006/chart" xmlns:mv="urn:schemas-microsoft-com:mac:vml" xmlns="">
       <p:transition spd="med">
         <p:fade/>
       </p:transition>
@@ -9456,7 +9456,7 @@
         <p14:reveal/>
       </p:transition>
     </mc:Choice>
-    <mc:Fallback xmlns:ahyp="http://schemas.microsoft.com/office/drawing/2018/hyperlinkcolor" xmlns:p15="http://schemas.microsoft.com/office/powerpoint/2012/main" xmlns:com="http://schemas.openxmlformats.org/drawingml/2006/compatibility" xmlns:pvml="urn:schemas-microsoft-com:office:powerpoint" xmlns:v="urn:schemas-microsoft-com:vml" xmlns:o="urn:schemas-microsoft-com:office:office" xmlns:dgm="http://schemas.openxmlformats.org/drawingml/2006/diagram" xmlns:c="http://schemas.openxmlformats.org/drawingml/2006/chart" xmlns:mv="urn:schemas-microsoft-com:mac:vml" xmlns="">
+    <mc:Fallback xmlns="" xmlns:mv="urn:schemas-microsoft-com:mac:vml" xmlns:c="http://schemas.openxmlformats.org/drawingml/2006/chart" xmlns:dgm="http://schemas.openxmlformats.org/drawingml/2006/diagram" xmlns:o="urn:schemas-microsoft-com:office:office" xmlns:v="urn:schemas-microsoft-com:vml" xmlns:pvml="urn:schemas-microsoft-com:office:powerpoint" xmlns:com="http://schemas.openxmlformats.org/drawingml/2006/compatibility" xmlns:p15="http://schemas.microsoft.com/office/powerpoint/2012/main" xmlns:ahyp="http://schemas.microsoft.com/office/drawing/2018/hyperlinkcolor">
       <p:transition spd="med">
         <p:fade/>
       </p:transition>
@@ -15060,6 +15060,13 @@
       </p:transition>
     </mc:Fallback>
   </mc:AlternateContent>
+  <p:timing>
+    <p:tnLst>
+      <p:par>
+        <p:cTn id="1" dur="indefinite" restart="never" nodeType="tmRoot"/>
+      </p:par>
+    </p:tnLst>
+  </p:timing>
 </p:sld>
 </file>
 
@@ -15604,6 +15611,13 @@
       </p:transition>
     </mc:Fallback>
   </mc:AlternateContent>
+  <p:timing>
+    <p:tnLst>
+      <p:par>
+        <p:cTn id="1" dur="indefinite" restart="never" nodeType="tmRoot"/>
+      </p:par>
+    </p:tnLst>
+  </p:timing>
 </p:sld>
 </file>
 
@@ -16086,6 +16100,13 @@
       </p:transition>
     </mc:Fallback>
   </mc:AlternateContent>
+  <p:timing>
+    <p:tnLst>
+      <p:par>
+        <p:cTn id="1" dur="indefinite" restart="never" nodeType="tmRoot"/>
+      </p:par>
+    </p:tnLst>
+  </p:timing>
 </p:sld>
 </file>
 
@@ -16573,6 +16594,13 @@
       </p:transition>
     </mc:Fallback>
   </mc:AlternateContent>
+  <p:timing>
+    <p:tnLst>
+      <p:par>
+        <p:cTn id="1" dur="indefinite" restart="never" nodeType="tmRoot"/>
+      </p:par>
+    </p:tnLst>
+  </p:timing>
 </p:sld>
 </file>
 
@@ -16843,6 +16871,13 @@
       </p:transition>
     </mc:Fallback>
   </mc:AlternateContent>
+  <p:timing>
+    <p:tnLst>
+      <p:par>
+        <p:cTn id="1" dur="indefinite" restart="never" nodeType="tmRoot"/>
+      </p:par>
+    </p:tnLst>
+  </p:timing>
 </p:sld>
 </file>
 
@@ -17064,6 +17099,13 @@
       </p:transition>
     </mc:Fallback>
   </mc:AlternateContent>
+  <p:timing>
+    <p:tnLst>
+      <p:par>
+        <p:cTn id="1" dur="indefinite" restart="never" nodeType="tmRoot"/>
+      </p:par>
+    </p:tnLst>
+  </p:timing>
 </p:sld>
 </file>
 
@@ -17429,6 +17471,13 @@
       </p:transition>
     </mc:Fallback>
   </mc:AlternateContent>
+  <p:timing>
+    <p:tnLst>
+      <p:par>
+        <p:cTn id="1" dur="indefinite" restart="never" nodeType="tmRoot"/>
+      </p:par>
+    </p:tnLst>
+  </p:timing>
 </p:sld>
 </file>
 
@@ -17638,6 +17687,13 @@
       </p:transition>
     </mc:Fallback>
   </mc:AlternateContent>
+  <p:timing>
+    <p:tnLst>
+      <p:par>
+        <p:cTn id="1" dur="indefinite" restart="never" nodeType="tmRoot"/>
+      </p:par>
+    </p:tnLst>
+  </p:timing>
 </p:sld>
 </file>
 
@@ -17767,6 +17823,13 @@
       </p:transition>
     </mc:Fallback>
   </mc:AlternateContent>
+  <p:timing>
+    <p:tnLst>
+      <p:par>
+        <p:cTn id="1" dur="indefinite" restart="never" nodeType="tmRoot"/>
+      </p:par>
+    </p:tnLst>
+  </p:timing>
 </p:sld>
 </file>
 
@@ -18086,6 +18149,13 @@
       </p:transition>
     </mc:Fallback>
   </mc:AlternateContent>
+  <p:timing>
+    <p:tnLst>
+      <p:par>
+        <p:cTn id="1" dur="indefinite" restart="never" nodeType="tmRoot"/>
+      </p:par>
+    </p:tnLst>
+  </p:timing>
 </p:sld>
 </file>
 
@@ -18227,6 +18297,13 @@
       </p:transition>
     </mc:Fallback>
   </mc:AlternateContent>
+  <p:timing>
+    <p:tnLst>
+      <p:par>
+        <p:cTn id="1" dur="indefinite" restart="never" nodeType="tmRoot"/>
+      </p:par>
+    </p:tnLst>
+  </p:timing>
 </p:sld>
 </file>
 
@@ -18415,6 +18492,13 @@
       </p:transition>
     </mc:Fallback>
   </mc:AlternateContent>
+  <p:timing>
+    <p:tnLst>
+      <p:par>
+        <p:cTn id="1" dur="indefinite" restart="never" nodeType="tmRoot"/>
+      </p:par>
+    </p:tnLst>
+  </p:timing>
 </p:sld>
 </file>
 
@@ -18637,6 +18721,13 @@
       </p:transition>
     </mc:Fallback>
   </mc:AlternateContent>
+  <p:timing>
+    <p:tnLst>
+      <p:par>
+        <p:cTn id="1" dur="indefinite" restart="never" nodeType="tmRoot"/>
+      </p:par>
+    </p:tnLst>
+  </p:timing>
 </p:sld>
 </file>
 
@@ -19056,6 +19147,13 @@
       </p:transition>
     </mc:Fallback>
   </mc:AlternateContent>
+  <p:timing>
+    <p:tnLst>
+      <p:par>
+        <p:cTn id="1" dur="indefinite" restart="never" nodeType="tmRoot"/>
+      </p:par>
+    </p:tnLst>
+  </p:timing>
 </p:sld>
 </file>
 
@@ -19390,6 +19488,13 @@
       </p:transition>
     </mc:Fallback>
   </mc:AlternateContent>
+  <p:timing>
+    <p:tnLst>
+      <p:par>
+        <p:cTn id="1" dur="indefinite" restart="never" nodeType="tmRoot"/>
+      </p:par>
+    </p:tnLst>
+  </p:timing>
 </p:sld>
 </file>
 
@@ -19767,6 +19872,13 @@
       </p:transition>
     </mc:Fallback>
   </mc:AlternateContent>
+  <p:timing>
+    <p:tnLst>
+      <p:par>
+        <p:cTn id="1" dur="indefinite" restart="never" nodeType="tmRoot"/>
+      </p:par>
+    </p:tnLst>
+  </p:timing>
 </p:sld>
 </file>
 
@@ -20427,6 +20539,13 @@
       </p:transition>
     </mc:Fallback>
   </mc:AlternateContent>
+  <p:timing>
+    <p:tnLst>
+      <p:par>
+        <p:cTn id="1" dur="indefinite" restart="never" nodeType="tmRoot"/>
+      </p:par>
+    </p:tnLst>
+  </p:timing>
 </p:sld>
 </file>
 
@@ -20608,6 +20727,13 @@
       </p:transition>
     </mc:Fallback>
   </mc:AlternateContent>
+  <p:timing>
+    <p:tnLst>
+      <p:par>
+        <p:cTn id="1" dur="indefinite" restart="never" nodeType="tmRoot"/>
+      </p:par>
+    </p:tnLst>
+  </p:timing>
 </p:sld>
 </file>
 
@@ -20841,6 +20967,13 @@
       </p:transition>
     </mc:Fallback>
   </mc:AlternateContent>
+  <p:timing>
+    <p:tnLst>
+      <p:par>
+        <p:cTn id="1" dur="indefinite" restart="never" nodeType="tmRoot"/>
+      </p:par>
+    </p:tnLst>
+  </p:timing>
 </p:sld>
 </file>
 
@@ -21282,6 +21415,13 @@
       </p:transition>
     </mc:Fallback>
   </mc:AlternateContent>
+  <p:timing>
+    <p:tnLst>
+      <p:par>
+        <p:cTn id="1" dur="indefinite" restart="never" nodeType="tmRoot"/>
+      </p:par>
+    </p:tnLst>
+  </p:timing>
 </p:sld>
 </file>
 
@@ -21631,6 +21771,13 @@
       </p:transition>
     </mc:Fallback>
   </mc:AlternateContent>
+  <p:timing>
+    <p:tnLst>
+      <p:par>
+        <p:cTn id="1" dur="indefinite" restart="never" nodeType="tmRoot"/>
+      </p:par>
+    </p:tnLst>
+  </p:timing>
 </p:sld>
 </file>
 
@@ -21912,6 +22059,13 @@
       </p:transition>
     </mc:Fallback>
   </mc:AlternateContent>
+  <p:timing>
+    <p:tnLst>
+      <p:par>
+        <p:cTn id="1" dur="indefinite" restart="never" nodeType="tmRoot"/>
+      </p:par>
+    </p:tnLst>
+  </p:timing>
 </p:sld>
 </file>
 
@@ -21984,40 +22138,40 @@
         </p:spPr>
         <p:txBody>
           <a:bodyPr>
-            <a:normAutofit lnSpcReduction="10000"/>
+            <a:normAutofit/>
           </a:bodyPr>
           <a:lstStyle/>
           <a:p>
             <a:r>
-              <a:rPr lang="en-US" err="1"/>
+              <a:rPr lang="en-US" dirty="0" err="1"/>
               <a:t>Soit</a:t>
             </a:r>
             <a:r>
-              <a:rPr lang="en-US"/>
+              <a:rPr lang="en-US" dirty="0"/>
               <a:t> : </a:t>
             </a:r>
             <a:r>
-              <a:rPr lang="en-US" err="1"/>
+              <a:rPr lang="en-US" dirty="0" err="1"/>
               <a:t>Traiter</a:t>
             </a:r>
             <a:r>
-              <a:rPr lang="en-US"/>
+              <a:rPr lang="en-US" dirty="0"/>
               <a:t> le </a:t>
             </a:r>
             <a:r>
-              <a:rPr lang="en-US" err="1"/>
+              <a:rPr lang="en-US" dirty="0" err="1"/>
               <a:t>résultat</a:t>
             </a:r>
             <a:r>
-              <a:rPr lang="en-US"/>
+              <a:rPr lang="en-US" dirty="0"/>
               <a:t> </a:t>
             </a:r>
             <a:r>
-              <a:rPr lang="en-US" err="1"/>
+              <a:rPr lang="en-US" dirty="0" err="1"/>
               <a:t>en</a:t>
             </a:r>
             <a:r>
-              <a:rPr lang="en-US"/>
+              <a:rPr lang="en-US" dirty="0"/>
               <a:t> un bloc</a:t>
             </a:r>
           </a:p>
@@ -22026,7 +22180,7 @@
               <a:buNone/>
             </a:pPr>
             <a:r>
-              <a:rPr lang="en-US" sz="2600">
+              <a:rPr lang="en-US" sz="2600" dirty="0">
                 <a:solidFill>
                   <a:schemeClr val="accent6">
                     <a:lumMod val="25000"/>
@@ -22038,7 +22192,7 @@
               <a:t>$</a:t>
             </a:r>
             <a:r>
-              <a:rPr lang="en-US" sz="2600" err="1">
+              <a:rPr lang="en-US" sz="2600" dirty="0" err="1">
                 <a:solidFill>
                   <a:schemeClr val="accent6">
                     <a:lumMod val="25000"/>
@@ -22050,7 +22204,7 @@
               <a:t>deal_a</a:t>
             </a:r>
             <a:r>
-              <a:rPr lang="en-US" sz="2600">
+              <a:rPr lang="en-US" sz="2600" dirty="0">
                 <a:solidFill>
                   <a:schemeClr val="accent6">
                     <a:lumMod val="50000"/>
@@ -22062,19 +22216,43 @@
               <a:t> = </a:t>
             </a:r>
             <a:r>
-              <a:rPr lang="fr-BE" sz="2800">
-                <a:solidFill>
-                  <a:schemeClr val="accent6">
-                    <a:lumMod val="50000"/>
-                  </a:schemeClr>
-                </a:solidFill>
-                <a:latin typeface="Consolas" panose="020B0609020204030204" pitchFamily="49" charset="0"/>
-                <a:cs typeface="Courier New" panose="02070309020205020404" pitchFamily="49" charset="0"/>
-              </a:rPr>
-              <a:t>$stmt-&gt;</a:t>
-            </a:r>
-            <a:r>
-              <a:rPr lang="fr-BE" sz="2800">
+              <a:rPr lang="fr-BE" sz="2800" dirty="0">
+                <a:solidFill>
+                  <a:schemeClr val="accent6">
+                    <a:lumMod val="50000"/>
+                  </a:schemeClr>
+                </a:solidFill>
+                <a:latin typeface="Consolas" panose="020B0609020204030204" pitchFamily="49" charset="0"/>
+                <a:cs typeface="Courier New" panose="02070309020205020404" pitchFamily="49" charset="0"/>
+              </a:rPr>
+              <a:t>$</a:t>
+            </a:r>
+            <a:r>
+              <a:rPr lang="fr-BE" sz="2800" dirty="0" err="1">
+                <a:solidFill>
+                  <a:schemeClr val="accent6">
+                    <a:lumMod val="50000"/>
+                  </a:schemeClr>
+                </a:solidFill>
+                <a:latin typeface="Consolas" panose="020B0609020204030204" pitchFamily="49" charset="0"/>
+                <a:cs typeface="Courier New" panose="02070309020205020404" pitchFamily="49" charset="0"/>
+              </a:rPr>
+              <a:t>stmt</a:t>
+            </a:r>
+            <a:r>
+              <a:rPr lang="fr-BE" sz="2800" dirty="0">
+                <a:solidFill>
+                  <a:schemeClr val="accent6">
+                    <a:lumMod val="50000"/>
+                  </a:schemeClr>
+                </a:solidFill>
+                <a:latin typeface="Consolas" panose="020B0609020204030204" pitchFamily="49" charset="0"/>
+                <a:cs typeface="Courier New" panose="02070309020205020404" pitchFamily="49" charset="0"/>
+              </a:rPr>
+              <a:t>-&gt;</a:t>
+            </a:r>
+            <a:r>
+              <a:rPr lang="fr-BE" sz="2800" dirty="0" err="1">
                 <a:solidFill>
                   <a:schemeClr val="accent2"/>
                 </a:solidFill>
@@ -22084,18 +22262,30 @@
               <a:t>fetchAll</a:t>
             </a:r>
             <a:r>
-              <a:rPr lang="en-US" sz="2600">
-                <a:solidFill>
-                  <a:schemeClr val="accent6">
-                    <a:lumMod val="50000"/>
-                  </a:schemeClr>
-                </a:solidFill>
-                <a:latin typeface="Consolas" panose="020B0609020204030204" pitchFamily="49" charset="0"/>
-                <a:cs typeface="Courier New" panose="02070309020205020404" pitchFamily="49" charset="0"/>
-              </a:rPr>
-              <a:t>(FETCH_ASSOC);</a:t>
-            </a:r>
-            <a:endParaRPr lang="fr-BE" sz="2600">
+              <a:rPr lang="en-US" sz="2600" dirty="0" smtClean="0">
+                <a:solidFill>
+                  <a:schemeClr val="accent6">
+                    <a:lumMod val="50000"/>
+                  </a:schemeClr>
+                </a:solidFill>
+                <a:latin typeface="Consolas" panose="020B0609020204030204" pitchFamily="49" charset="0"/>
+                <a:cs typeface="Courier New" panose="02070309020205020404" pitchFamily="49" charset="0"/>
+              </a:rPr>
+              <a:t>(POO::FETCH_ASSOC</a:t>
+            </a:r>
+            <a:r>
+              <a:rPr lang="en-US" sz="2600" dirty="0">
+                <a:solidFill>
+                  <a:schemeClr val="accent6">
+                    <a:lumMod val="50000"/>
+                  </a:schemeClr>
+                </a:solidFill>
+                <a:latin typeface="Consolas" panose="020B0609020204030204" pitchFamily="49" charset="0"/>
+                <a:cs typeface="Courier New" panose="02070309020205020404" pitchFamily="49" charset="0"/>
+              </a:rPr>
+              <a:t>);</a:t>
+            </a:r>
+            <a:endParaRPr lang="fr-BE" sz="2600" dirty="0">
               <a:latin typeface="Consolas" panose="020B0609020204030204" pitchFamily="49" charset="0"/>
             </a:endParaRPr>
           </a:p>
@@ -22104,7 +22294,7 @@
               <a:buNone/>
             </a:pPr>
             <a:r>
-              <a:rPr lang="fr-BE" sz="2600" err="1">
+              <a:rPr lang="fr-BE" sz="2600" dirty="0" err="1">
                 <a:solidFill>
                   <a:schemeClr val="accent6">
                     <a:lumMod val="50000"/>
@@ -22116,7 +22306,7 @@
               <a:t>foreach</a:t>
             </a:r>
             <a:r>
-              <a:rPr lang="fr-BE" sz="2600">
+              <a:rPr lang="fr-BE" sz="2600" dirty="0">
                 <a:solidFill>
                   <a:schemeClr val="accent6">
                     <a:lumMod val="50000"/>
@@ -22128,7 +22318,7 @@
               <a:t>( </a:t>
             </a:r>
             <a:r>
-              <a:rPr lang="fr-BE" sz="2600">
+              <a:rPr lang="fr-BE" sz="2600" dirty="0">
                 <a:solidFill>
                   <a:schemeClr val="accent6">
                     <a:lumMod val="25000"/>
@@ -22140,7 +22330,7 @@
               <a:t>$</a:t>
             </a:r>
             <a:r>
-              <a:rPr lang="fr-BE" sz="2600" err="1">
+              <a:rPr lang="fr-BE" sz="2600" dirty="0" err="1">
                 <a:solidFill>
                   <a:schemeClr val="accent6">
                     <a:lumMod val="25000"/>
@@ -22152,7 +22342,7 @@
               <a:t>deal_a</a:t>
             </a:r>
             <a:r>
-              <a:rPr lang="fr-BE" sz="2600">
+              <a:rPr lang="fr-BE" sz="2600" dirty="0">
                 <a:solidFill>
                   <a:schemeClr val="accent6">
                     <a:lumMod val="50000"/>
@@ -22164,7 +22354,7 @@
               <a:t> as </a:t>
             </a:r>
             <a:r>
-              <a:rPr lang="fr-BE" sz="2600">
+              <a:rPr lang="fr-BE" sz="2600" dirty="0">
                 <a:solidFill>
                   <a:schemeClr val="accent5"/>
                 </a:solidFill>
@@ -22174,7 +22364,7 @@
               <a:t>$</a:t>
             </a:r>
             <a:r>
-              <a:rPr lang="fr-BE" sz="2600" err="1">
+              <a:rPr lang="fr-BE" sz="2600" dirty="0" err="1">
                 <a:solidFill>
                   <a:schemeClr val="accent5"/>
                 </a:solidFill>
@@ -22184,7 +22374,7 @@
               <a:t>row</a:t>
             </a:r>
             <a:r>
-              <a:rPr lang="fr-BE" sz="2600">
+              <a:rPr lang="fr-BE" sz="2600" dirty="0">
                 <a:solidFill>
                   <a:schemeClr val="accent6">
                     <a:lumMod val="50000"/>
@@ -22201,7 +22391,7 @@
               <a:buNone/>
             </a:pPr>
             <a:r>
-              <a:rPr lang="fr-BE" sz="2600">
+              <a:rPr lang="fr-BE" sz="2600" dirty="0">
                 <a:solidFill>
                   <a:schemeClr val="accent6">
                     <a:lumMod val="50000"/>
@@ -22218,7 +22408,7 @@
               <a:buNone/>
             </a:pPr>
             <a:r>
-              <a:rPr lang="fr-BE" sz="2600">
+              <a:rPr lang="fr-BE" sz="2600" dirty="0">
                 <a:solidFill>
                   <a:schemeClr val="accent6">
                     <a:lumMod val="50000"/>
@@ -22230,7 +22420,7 @@
               <a:t>	</a:t>
             </a:r>
             <a:r>
-              <a:rPr lang="fr-BE" sz="2600" err="1">
+              <a:rPr lang="fr-BE" sz="2600" dirty="0" err="1">
                 <a:solidFill>
                   <a:schemeClr val="accent6">
                     <a:lumMod val="50000"/>
@@ -22242,7 +22432,7 @@
               <a:t>echo</a:t>
             </a:r>
             <a:r>
-              <a:rPr lang="fr-BE" sz="2600">
+              <a:rPr lang="fr-BE" sz="2600" dirty="0">
                 <a:solidFill>
                   <a:schemeClr val="accent6">
                     <a:lumMod val="50000"/>
@@ -22254,7 +22444,7 @@
               <a:t> "&lt;div&gt;{</a:t>
             </a:r>
             <a:r>
-              <a:rPr lang="fr-BE" sz="2600">
+              <a:rPr lang="fr-BE" sz="2600" dirty="0">
                 <a:solidFill>
                   <a:schemeClr val="accent5"/>
                 </a:solidFill>
@@ -22264,7 +22454,7 @@
               <a:t>$</a:t>
             </a:r>
             <a:r>
-              <a:rPr lang="fr-BE" sz="2600" err="1">
+              <a:rPr lang="fr-BE" sz="2600" dirty="0" err="1">
                 <a:solidFill>
                   <a:schemeClr val="accent5"/>
                 </a:solidFill>
@@ -22274,7 +22464,7 @@
               <a:t>row</a:t>
             </a:r>
             <a:r>
-              <a:rPr lang="fr-BE" sz="2600">
+              <a:rPr lang="fr-BE" sz="2600" dirty="0">
                 <a:solidFill>
                   <a:schemeClr val="accent6">
                     <a:lumMod val="50000"/>
@@ -22291,7 +22481,7 @@
               <a:buNone/>
             </a:pPr>
             <a:r>
-              <a:rPr lang="fr-BE" sz="2600">
+              <a:rPr lang="fr-BE" sz="2600" dirty="0">
                 <a:solidFill>
                   <a:schemeClr val="accent6">
                     <a:lumMod val="50000"/>
@@ -22305,7 +22495,7 @@
           </a:p>
           <a:p>
             <a:r>
-              <a:rPr lang="fr-BE"/>
+              <a:rPr lang="fr-BE" dirty="0"/>
               <a:t>Libérer la mémoire</a:t>
             </a:r>
           </a:p>
@@ -22314,15 +22504,10 @@
               <a:buNone/>
             </a:pPr>
             <a:r>
-              <a:rPr lang="fr-BE"/>
+              <a:rPr lang="fr-BE" dirty="0" smtClean="0"/>
               <a:t>-</a:t>
             </a:r>
-          </a:p>
-          <a:p>
-            <a:r>
-              <a:rPr lang="fr-BE" i="1"/>
-              <a:t>Remarque : non pleinement testé </a:t>
-            </a:r>
+            <a:endParaRPr lang="fr-BE" dirty="0"/>
           </a:p>
         </p:txBody>
       </p:sp>
@@ -22348,6 +22533,13 @@
       </p:transition>
     </mc:Fallback>
   </mc:AlternateContent>
+  <p:timing>
+    <p:tnLst>
+      <p:par>
+        <p:cTn id="1" dur="indefinite" restart="never" nodeType="tmRoot"/>
+      </p:par>
+    </p:tnLst>
+  </p:timing>
 </p:sld>
 </file>
 
@@ -22479,6 +22671,13 @@
       </p:transition>
     </mc:Fallback>
   </mc:AlternateContent>
+  <p:timing>
+    <p:tnLst>
+      <p:par>
+        <p:cTn id="1" dur="indefinite" restart="never" nodeType="tmRoot"/>
+      </p:par>
+    </p:tnLst>
+  </p:timing>
 </p:sld>
 </file>
 
@@ -22726,6 +22925,13 @@
       </p:transition>
     </mc:Fallback>
   </mc:AlternateContent>
+  <p:timing>
+    <p:tnLst>
+      <p:par>
+        <p:cTn id="1" dur="indefinite" restart="never" nodeType="tmRoot"/>
+      </p:par>
+    </p:tnLst>
+  </p:timing>
 </p:sld>
 </file>
 
@@ -22862,6 +23068,13 @@
       </p:transition>
     </mc:Fallback>
   </mc:AlternateContent>
+  <p:timing>
+    <p:tnLst>
+      <p:par>
+        <p:cTn id="1" dur="indefinite" restart="never" nodeType="tmRoot"/>
+      </p:par>
+    </p:tnLst>
+  </p:timing>
 </p:sld>
 </file>
 
@@ -23049,7 +23262,7 @@
           <a:p>
             <a:fld id="{5D1E7CC7-66BF-4B04-8372-9E986CBE7657}" type="datetime1">
               <a:rPr lang="fr-BE" smtClean="0"/>
-              <a:t>12-01-26</a:t>
+              <a:t>19-01-26</a:t>
             </a:fld>
             <a:endParaRPr lang="fr-BE"/>
           </a:p>
@@ -23728,6 +23941,13 @@
       </p:transition>
     </mc:Fallback>
   </mc:AlternateContent>
+  <p:timing>
+    <p:tnLst>
+      <p:par>
+        <p:cTn id="1" dur="indefinite" restart="never" nodeType="tmRoot"/>
+      </p:par>
+    </p:tnLst>
+  </p:timing>
 </p:sld>
 </file>
 
